--- a/Womens_Clothing_Review.pptx
+++ b/Womens_Clothing_Review.pptx
@@ -814,7 +814,7 @@
           <a:p>
             <a:r>
               <a:rPr lang="en-US" dirty="0"/>
-              <a:t>There were far more rating ranked 5 than any other score, with the “General” being the highest driver of perfect 5 ratings.</a:t>
+              <a:t>There were far more ratings ranked 5 than any other score, with the “General” being the highest driver of perfect 5 ratings.</a:t>
             </a:r>
           </a:p>
         </p:txBody>
@@ -996,15 +996,7 @@
           <a:p>
             <a:r>
               <a:rPr lang="en-US" dirty="0"/>
-              <a:t>The 3 heatmaps above illustrate the overlap and breakout of review counts by Division &gt; </a:t>
-            </a:r>
-            <a:r>
-              <a:rPr lang="en-US" dirty="0" err="1"/>
-              <a:t>Dpartment</a:t>
-            </a:r>
-            <a:r>
-              <a:rPr lang="en-US" dirty="0"/>
-              <a:t> &gt; Class.</a:t>
+              <a:t>The 3 heatmaps above illustrate the overlap and breakout of review counts by Division &gt; Department &gt; Class.</a:t>
             </a:r>
           </a:p>
         </p:txBody>
@@ -1512,7 +1504,7 @@
             </a:lvl1pPr>
           </a:lstStyle>
           <a:p>
-            <a:fld id="{EA0C0817-A112-4847-8014-A94B7D2A4EA3}" type="datetime1">
+            <a:fld id="{7D0B062D-6F0F-406B-B671-3B8C5AD83035}" type="datetime1">
               <a:rPr lang="en-US" smtClean="0"/>
               <a:t>10/21/2020</a:t>
             </a:fld>
@@ -1714,7 +1706,7 @@
           <a:bodyPr/>
           <a:lstStyle/>
           <a:p>
-            <a:fld id="{134F40B7-36AB-4376-BE14-EF7004D79BB9}" type="datetime1">
+            <a:fld id="{2BEE7AD2-8D8B-4055-ABCC-78BC766B8785}" type="datetime1">
               <a:rPr lang="en-US" smtClean="0"/>
               <a:t>10/21/2020</a:t>
             </a:fld>
@@ -1894,7 +1886,7 @@
           <a:bodyPr/>
           <a:lstStyle/>
           <a:p>
-            <a:fld id="{FF87CAB8-DCAE-46A5-AADA-B3FAD11A54E0}" type="datetime1">
+            <a:fld id="{09AE14D2-4DC3-43CA-9AB6-51267E7BBAAF}" type="datetime1">
               <a:rPr lang="en-US" smtClean="0"/>
               <a:t>10/21/2020</a:t>
             </a:fld>
@@ -2064,7 +2056,7 @@
           <a:bodyPr/>
           <a:lstStyle/>
           <a:p>
-            <a:fld id="{7332B432-ACDA-4023-A761-2BAB76577B62}" type="datetime1">
+            <a:fld id="{AC5806B7-89FE-406B-A3FE-025124F59063}" type="datetime1">
               <a:rPr lang="en-US" smtClean="0"/>
               <a:t>10/21/2020</a:t>
             </a:fld>
@@ -2663,7 +2655,7 @@
             </a:lvl1pPr>
           </a:lstStyle>
           <a:p>
-            <a:fld id="{D9C646AA-F36E-4540-911D-FFFC0A0EF24A}" type="datetime1">
+            <a:fld id="{E857B868-7DB5-49FF-9A7C-DB8045E18F27}" type="datetime1">
               <a:rPr lang="en-US" smtClean="0"/>
               <a:t>10/21/2020</a:t>
             </a:fld>
@@ -2983,7 +2975,7 @@
           <a:bodyPr/>
           <a:lstStyle/>
           <a:p>
-            <a:fld id="{69186D26-FA5F-4637-B602-B7C2DC34CFD4}" type="datetime1">
+            <a:fld id="{21AC07A7-CF0B-4294-ADFE-E24B071E51F6}" type="datetime1">
               <a:rPr lang="en-US" smtClean="0"/>
               <a:t>10/21/2020</a:t>
             </a:fld>
@@ -3420,7 +3412,7 @@
           <a:bodyPr/>
           <a:lstStyle/>
           <a:p>
-            <a:fld id="{8A7F15D8-96D1-4781-BC50-CA8A088B2FE4}" type="datetime1">
+            <a:fld id="{954235B9-7352-4EAC-92BD-CCDB1E643FB8}" type="datetime1">
               <a:rPr lang="en-US" smtClean="0"/>
               <a:t>10/21/2020</a:t>
             </a:fld>
@@ -3538,7 +3530,7 @@
           <a:bodyPr/>
           <a:lstStyle/>
           <a:p>
-            <a:fld id="{F9A96C99-B8F8-4528-BD05-0E16E943DC09}" type="datetime1">
+            <a:fld id="{96051D37-CAF8-4C03-A9ED-272FF4FC533B}" type="datetime1">
               <a:rPr lang="en-US" smtClean="0"/>
               <a:t>10/21/2020</a:t>
             </a:fld>
@@ -3633,7 +3625,7 @@
           <a:bodyPr/>
           <a:lstStyle/>
           <a:p>
-            <a:fld id="{03636942-C211-4B28-8DBD-C953E00AF71B}" type="datetime1">
+            <a:fld id="{A13718F8-1E14-4EAA-835D-821C5F813ABA}" type="datetime1">
               <a:rPr lang="en-US" smtClean="0"/>
               <a:t>10/21/2020</a:t>
             </a:fld>
@@ -4050,7 +4042,7 @@
             </a:lvl1pPr>
           </a:lstStyle>
           <a:p>
-            <a:fld id="{7E8D12A6-918A-48BD-8CB9-CA713993B0EA}" type="datetime1">
+            <a:fld id="{E4BF5EA4-86E0-48EA-A918-35D702051195}" type="datetime1">
               <a:rPr lang="en-US" smtClean="0"/>
               <a:t>10/21/2020</a:t>
             </a:fld>
@@ -4311,9 +4303,8 @@
             </a:lvl1pPr>
           </a:lstStyle>
           <a:p>
-            <a:fld id="{E778CE86-875F-4587-BCF6-FA054AFC0D53}" type="datetime1">
+            <a:fld id="{854CD0A0-931D-484A-A183-1A1A9DD33F3E}" type="datetime1">
               <a:rPr lang="en-US" smtClean="0"/>
-              <a:pPr/>
               <a:t>10/21/2020</a:t>
             </a:fld>
             <a:endParaRPr lang="en-US" dirty="0"/>
@@ -4828,7 +4819,7 @@
             </a:lvl1pPr>
           </a:lstStyle>
           <a:p>
-            <a:fld id="{F6FA2B21-3FCD-4721-B95C-427943F61125}" type="datetime1">
+            <a:fld id="{E58580AF-19B0-4229-B822-9AD386D87EA7}" type="datetime1">
               <a:rPr lang="en-US" smtClean="0"/>
               <a:t>10/21/2020</a:t>
             </a:fld>
@@ -4937,7 +4928,7 @@
     <p:sldLayoutId id="2147483664" r:id="rId10"/>
     <p:sldLayoutId id="2147483666" r:id="rId11"/>
   </p:sldLayoutIdLst>
-  <p:hf sldNum="0" hdr="0" ftr="0" dt="0"/>
+  <p:hf hdr="0" ftr="0" dt="0"/>
   <p:txStyles>
     <p:titleStyle>
       <a:lvl1pPr algn="l" defTabSz="914400" rtl="0" eaLnBrk="1" latinLnBrk="0" hangingPunct="1">
@@ -5513,6 +5504,35 @@
           </a:p>
         </p:txBody>
       </p:sp>
+      <p:sp>
+        <p:nvSpPr>
+          <p:cNvPr id="4" name="Slide Number Placeholder 3">
+            <a:extLst>
+              <a:ext uri="{FF2B5EF4-FFF2-40B4-BE49-F238E27FC236}">
+                <a16:creationId xmlns:a16="http://schemas.microsoft.com/office/drawing/2014/main" id="{946440B4-2CEE-48DE-92DA-6BE59CC77CBD}"/>
+              </a:ext>
+            </a:extLst>
+          </p:cNvPr>
+          <p:cNvSpPr>
+            <a:spLocks noGrp="1"/>
+          </p:cNvSpPr>
+          <p:nvPr>
+            <p:ph type="sldNum" sz="quarter" idx="12"/>
+          </p:nvPr>
+        </p:nvSpPr>
+        <p:spPr/>
+        <p:txBody>
+          <a:bodyPr/>
+          <a:lstStyle/>
+          <a:p>
+            <a:fld id="{34B7E4EF-A1BD-40F4-AB7B-04F084DD991D}" type="slidenum">
+              <a:rPr lang="en-US" smtClean="0"/>
+              <a:t>1</a:t>
+            </a:fld>
+            <a:endParaRPr lang="en-US" dirty="0"/>
+          </a:p>
+        </p:txBody>
+      </p:sp>
     </p:spTree>
     <p:extLst>
       <p:ext uri="{BB962C8B-B14F-4D97-AF65-F5344CB8AC3E}">
@@ -5906,6 +5926,35 @@
           </a:sp3d>
         </p:spPr>
       </p:pic>
+      <p:sp>
+        <p:nvSpPr>
+          <p:cNvPr id="2" name="Slide Number Placeholder 1">
+            <a:extLst>
+              <a:ext uri="{FF2B5EF4-FFF2-40B4-BE49-F238E27FC236}">
+                <a16:creationId xmlns:a16="http://schemas.microsoft.com/office/drawing/2014/main" id="{F911D317-58AE-4981-9B14-56A325DA1433}"/>
+              </a:ext>
+            </a:extLst>
+          </p:cNvPr>
+          <p:cNvSpPr>
+            <a:spLocks noGrp="1"/>
+          </p:cNvSpPr>
+          <p:nvPr>
+            <p:ph type="sldNum" sz="quarter" idx="12"/>
+          </p:nvPr>
+        </p:nvSpPr>
+        <p:spPr/>
+        <p:txBody>
+          <a:bodyPr/>
+          <a:lstStyle/>
+          <a:p>
+            <a:fld id="{34B7E4EF-A1BD-40F4-AB7B-04F084DD991D}" type="slidenum">
+              <a:rPr lang="en-US" smtClean="0"/>
+              <a:t>10</a:t>
+            </a:fld>
+            <a:endParaRPr lang="en-US" dirty="0"/>
+          </a:p>
+        </p:txBody>
+      </p:sp>
     </p:spTree>
     <p:extLst>
       <p:ext uri="{BB962C8B-B14F-4D97-AF65-F5344CB8AC3E}">
@@ -6299,6 +6348,35 @@
           </a:sp3d>
         </p:spPr>
       </p:pic>
+      <p:sp>
+        <p:nvSpPr>
+          <p:cNvPr id="2" name="Slide Number Placeholder 1">
+            <a:extLst>
+              <a:ext uri="{FF2B5EF4-FFF2-40B4-BE49-F238E27FC236}">
+                <a16:creationId xmlns:a16="http://schemas.microsoft.com/office/drawing/2014/main" id="{9A6E0ADC-E788-4304-8ABC-A8998F0A5CD5}"/>
+              </a:ext>
+            </a:extLst>
+          </p:cNvPr>
+          <p:cNvSpPr>
+            <a:spLocks noGrp="1"/>
+          </p:cNvSpPr>
+          <p:nvPr>
+            <p:ph type="sldNum" sz="quarter" idx="12"/>
+          </p:nvPr>
+        </p:nvSpPr>
+        <p:spPr/>
+        <p:txBody>
+          <a:bodyPr/>
+          <a:lstStyle/>
+          <a:p>
+            <a:fld id="{34B7E4EF-A1BD-40F4-AB7B-04F084DD991D}" type="slidenum">
+              <a:rPr lang="en-US" smtClean="0"/>
+              <a:t>11</a:t>
+            </a:fld>
+            <a:endParaRPr lang="en-US" dirty="0"/>
+          </a:p>
+        </p:txBody>
+      </p:sp>
     </p:spTree>
     <p:extLst>
       <p:ext uri="{BB962C8B-B14F-4D97-AF65-F5344CB8AC3E}">
@@ -6812,6 +6890,35 @@
           </a:sp3d>
         </p:spPr>
       </p:pic>
+      <p:sp>
+        <p:nvSpPr>
+          <p:cNvPr id="2" name="Slide Number Placeholder 1">
+            <a:extLst>
+              <a:ext uri="{FF2B5EF4-FFF2-40B4-BE49-F238E27FC236}">
+                <a16:creationId xmlns:a16="http://schemas.microsoft.com/office/drawing/2014/main" id="{BDAE5264-F099-4C17-A9C4-D7463194E431}"/>
+              </a:ext>
+            </a:extLst>
+          </p:cNvPr>
+          <p:cNvSpPr>
+            <a:spLocks noGrp="1"/>
+          </p:cNvSpPr>
+          <p:nvPr>
+            <p:ph type="sldNum" sz="quarter" idx="12"/>
+          </p:nvPr>
+        </p:nvSpPr>
+        <p:spPr/>
+        <p:txBody>
+          <a:bodyPr/>
+          <a:lstStyle/>
+          <a:p>
+            <a:fld id="{34B7E4EF-A1BD-40F4-AB7B-04F084DD991D}" type="slidenum">
+              <a:rPr lang="en-US" smtClean="0"/>
+              <a:t>12</a:t>
+            </a:fld>
+            <a:endParaRPr lang="en-US" dirty="0"/>
+          </a:p>
+        </p:txBody>
+      </p:sp>
     </p:spTree>
     <p:extLst>
       <p:ext uri="{BB962C8B-B14F-4D97-AF65-F5344CB8AC3E}">
@@ -7274,6 +7381,35 @@
           </a:sp3d>
         </p:spPr>
       </p:pic>
+      <p:sp>
+        <p:nvSpPr>
+          <p:cNvPr id="2" name="Slide Number Placeholder 1">
+            <a:extLst>
+              <a:ext uri="{FF2B5EF4-FFF2-40B4-BE49-F238E27FC236}">
+                <a16:creationId xmlns:a16="http://schemas.microsoft.com/office/drawing/2014/main" id="{6962C271-6260-4FE9-821F-25AE010714C3}"/>
+              </a:ext>
+            </a:extLst>
+          </p:cNvPr>
+          <p:cNvSpPr>
+            <a:spLocks noGrp="1"/>
+          </p:cNvSpPr>
+          <p:nvPr>
+            <p:ph type="sldNum" sz="quarter" idx="12"/>
+          </p:nvPr>
+        </p:nvSpPr>
+        <p:spPr/>
+        <p:txBody>
+          <a:bodyPr/>
+          <a:lstStyle/>
+          <a:p>
+            <a:fld id="{34B7E4EF-A1BD-40F4-AB7B-04F084DD991D}" type="slidenum">
+              <a:rPr lang="en-US" smtClean="0"/>
+              <a:t>13</a:t>
+            </a:fld>
+            <a:endParaRPr lang="en-US" dirty="0"/>
+          </a:p>
+        </p:txBody>
+      </p:sp>
     </p:spTree>
     <p:extLst>
       <p:ext uri="{BB962C8B-B14F-4D97-AF65-F5344CB8AC3E}">
@@ -7736,6 +7872,35 @@
           </a:sp3d>
         </p:spPr>
       </p:pic>
+      <p:sp>
+        <p:nvSpPr>
+          <p:cNvPr id="2" name="Slide Number Placeholder 1">
+            <a:extLst>
+              <a:ext uri="{FF2B5EF4-FFF2-40B4-BE49-F238E27FC236}">
+                <a16:creationId xmlns:a16="http://schemas.microsoft.com/office/drawing/2014/main" id="{5E91342D-7281-4069-A2D8-6442C2575E78}"/>
+              </a:ext>
+            </a:extLst>
+          </p:cNvPr>
+          <p:cNvSpPr>
+            <a:spLocks noGrp="1"/>
+          </p:cNvSpPr>
+          <p:nvPr>
+            <p:ph type="sldNum" sz="quarter" idx="12"/>
+          </p:nvPr>
+        </p:nvSpPr>
+        <p:spPr/>
+        <p:txBody>
+          <a:bodyPr/>
+          <a:lstStyle/>
+          <a:p>
+            <a:fld id="{34B7E4EF-A1BD-40F4-AB7B-04F084DD991D}" type="slidenum">
+              <a:rPr lang="en-US" smtClean="0"/>
+              <a:t>14</a:t>
+            </a:fld>
+            <a:endParaRPr lang="en-US" dirty="0"/>
+          </a:p>
+        </p:txBody>
+      </p:sp>
     </p:spTree>
     <p:extLst>
       <p:ext uri="{BB962C8B-B14F-4D97-AF65-F5344CB8AC3E}">
@@ -8198,6 +8363,35 @@
           </a:sp3d>
         </p:spPr>
       </p:pic>
+      <p:sp>
+        <p:nvSpPr>
+          <p:cNvPr id="2" name="Slide Number Placeholder 1">
+            <a:extLst>
+              <a:ext uri="{FF2B5EF4-FFF2-40B4-BE49-F238E27FC236}">
+                <a16:creationId xmlns:a16="http://schemas.microsoft.com/office/drawing/2014/main" id="{7FAC18F7-A3AF-40BA-B076-D6477BA961F6}"/>
+              </a:ext>
+            </a:extLst>
+          </p:cNvPr>
+          <p:cNvSpPr>
+            <a:spLocks noGrp="1"/>
+          </p:cNvSpPr>
+          <p:nvPr>
+            <p:ph type="sldNum" sz="quarter" idx="12"/>
+          </p:nvPr>
+        </p:nvSpPr>
+        <p:spPr/>
+        <p:txBody>
+          <a:bodyPr/>
+          <a:lstStyle/>
+          <a:p>
+            <a:fld id="{34B7E4EF-A1BD-40F4-AB7B-04F084DD991D}" type="slidenum">
+              <a:rPr lang="en-US" smtClean="0"/>
+              <a:t>15</a:t>
+            </a:fld>
+            <a:endParaRPr lang="en-US" dirty="0"/>
+          </a:p>
+        </p:txBody>
+      </p:sp>
     </p:spTree>
     <p:extLst>
       <p:ext uri="{BB962C8B-B14F-4D97-AF65-F5344CB8AC3E}">
@@ -8323,6 +8517,35 @@
           </a:p>
         </p:txBody>
       </p:sp>
+      <p:sp>
+        <p:nvSpPr>
+          <p:cNvPr id="3" name="Slide Number Placeholder 2">
+            <a:extLst>
+              <a:ext uri="{FF2B5EF4-FFF2-40B4-BE49-F238E27FC236}">
+                <a16:creationId xmlns:a16="http://schemas.microsoft.com/office/drawing/2014/main" id="{8C191EFF-EA15-419F-8D89-20825CEE96A5}"/>
+              </a:ext>
+            </a:extLst>
+          </p:cNvPr>
+          <p:cNvSpPr>
+            <a:spLocks noGrp="1"/>
+          </p:cNvSpPr>
+          <p:nvPr>
+            <p:ph type="sldNum" sz="quarter" idx="12"/>
+          </p:nvPr>
+        </p:nvSpPr>
+        <p:spPr/>
+        <p:txBody>
+          <a:bodyPr/>
+          <a:lstStyle/>
+          <a:p>
+            <a:fld id="{34B7E4EF-A1BD-40F4-AB7B-04F084DD991D}" type="slidenum">
+              <a:rPr lang="en-US" smtClean="0"/>
+              <a:t>16</a:t>
+            </a:fld>
+            <a:endParaRPr lang="en-US" dirty="0"/>
+          </a:p>
+        </p:txBody>
+      </p:sp>
     </p:spTree>
     <p:extLst>
       <p:ext uri="{BB962C8B-B14F-4D97-AF65-F5344CB8AC3E}">
@@ -8891,6 +9114,35 @@
           </a:sp3d>
         </p:spPr>
       </p:pic>
+      <p:sp>
+        <p:nvSpPr>
+          <p:cNvPr id="2" name="Slide Number Placeholder 1">
+            <a:extLst>
+              <a:ext uri="{FF2B5EF4-FFF2-40B4-BE49-F238E27FC236}">
+                <a16:creationId xmlns:a16="http://schemas.microsoft.com/office/drawing/2014/main" id="{37102678-B68B-4676-B786-D1377B3E23F7}"/>
+              </a:ext>
+            </a:extLst>
+          </p:cNvPr>
+          <p:cNvSpPr>
+            <a:spLocks noGrp="1"/>
+          </p:cNvSpPr>
+          <p:nvPr>
+            <p:ph type="sldNum" sz="quarter" idx="12"/>
+          </p:nvPr>
+        </p:nvSpPr>
+        <p:spPr/>
+        <p:txBody>
+          <a:bodyPr/>
+          <a:lstStyle/>
+          <a:p>
+            <a:fld id="{34B7E4EF-A1BD-40F4-AB7B-04F084DD991D}" type="slidenum">
+              <a:rPr lang="en-US" smtClean="0"/>
+              <a:t>17</a:t>
+            </a:fld>
+            <a:endParaRPr lang="en-US" dirty="0"/>
+          </a:p>
+        </p:txBody>
+      </p:sp>
     </p:spTree>
     <p:extLst>
       <p:ext uri="{BB962C8B-B14F-4D97-AF65-F5344CB8AC3E}">
@@ -9345,6 +9597,35 @@
           </a:sp3d>
         </p:spPr>
       </p:pic>
+      <p:sp>
+        <p:nvSpPr>
+          <p:cNvPr id="2" name="Slide Number Placeholder 1">
+            <a:extLst>
+              <a:ext uri="{FF2B5EF4-FFF2-40B4-BE49-F238E27FC236}">
+                <a16:creationId xmlns:a16="http://schemas.microsoft.com/office/drawing/2014/main" id="{8F37C6E7-D51C-44D9-BED8-624AF06DC710}"/>
+              </a:ext>
+            </a:extLst>
+          </p:cNvPr>
+          <p:cNvSpPr>
+            <a:spLocks noGrp="1"/>
+          </p:cNvSpPr>
+          <p:nvPr>
+            <p:ph type="sldNum" sz="quarter" idx="12"/>
+          </p:nvPr>
+        </p:nvSpPr>
+        <p:spPr/>
+        <p:txBody>
+          <a:bodyPr/>
+          <a:lstStyle/>
+          <a:p>
+            <a:fld id="{34B7E4EF-A1BD-40F4-AB7B-04F084DD991D}" type="slidenum">
+              <a:rPr lang="en-US" smtClean="0"/>
+              <a:t>18</a:t>
+            </a:fld>
+            <a:endParaRPr lang="en-US" dirty="0"/>
+          </a:p>
+        </p:txBody>
+      </p:sp>
     </p:spTree>
     <p:extLst>
       <p:ext uri="{BB962C8B-B14F-4D97-AF65-F5344CB8AC3E}">
@@ -9576,6 +9857,35 @@
               <a:rPr lang="en-US" sz="2400" dirty="0"/>
               <a:t>Neural Network</a:t>
             </a:r>
+          </a:p>
+        </p:txBody>
+      </p:sp>
+      <p:sp>
+        <p:nvSpPr>
+          <p:cNvPr id="3" name="Slide Number Placeholder 2">
+            <a:extLst>
+              <a:ext uri="{FF2B5EF4-FFF2-40B4-BE49-F238E27FC236}">
+                <a16:creationId xmlns:a16="http://schemas.microsoft.com/office/drawing/2014/main" id="{BC2E03DB-FB93-4E57-8379-3EFEF213EA77}"/>
+              </a:ext>
+            </a:extLst>
+          </p:cNvPr>
+          <p:cNvSpPr>
+            <a:spLocks noGrp="1"/>
+          </p:cNvSpPr>
+          <p:nvPr>
+            <p:ph type="sldNum" sz="quarter" idx="12"/>
+          </p:nvPr>
+        </p:nvSpPr>
+        <p:spPr/>
+        <p:txBody>
+          <a:bodyPr/>
+          <a:lstStyle/>
+          <a:p>
+            <a:fld id="{34B7E4EF-A1BD-40F4-AB7B-04F084DD991D}" type="slidenum">
+              <a:rPr lang="en-US" smtClean="0"/>
+              <a:t>19</a:t>
+            </a:fld>
+            <a:endParaRPr lang="en-US" dirty="0"/>
           </a:p>
         </p:txBody>
       </p:sp>
@@ -9695,49 +10005,81 @@
             <a:pPr algn="ctr"/>
             <a:r>
               <a:rPr lang="en-US" sz="2800" dirty="0"/>
-              <a:t>Chris Campbell</a:t>
+              <a:t>Alfonso </a:t>
+            </a:r>
+            <a:r>
+              <a:rPr lang="en-US" sz="2800" dirty="0" err="1"/>
+              <a:t>Toruno</a:t>
+            </a:r>
+            <a:r>
+              <a:rPr lang="en-US" sz="2800" dirty="0"/>
+              <a:t> </a:t>
             </a:r>
             <a:br>
               <a:rPr lang="en-US" sz="2800" dirty="0"/>
             </a:br>
             <a:r>
-              <a:rPr lang="en-US" sz="2800" dirty="0" err="1"/>
-              <a:t>Himani</a:t>
-            </a:r>
-            <a:r>
               <a:rPr lang="en-US" sz="2800" dirty="0"/>
-              <a:t> </a:t>
-            </a:r>
-            <a:r>
-              <a:rPr lang="en-US" sz="2800" dirty="0" err="1"/>
-              <a:t>Manglik</a:t>
+              <a:t>Chris Campbell</a:t>
             </a:r>
             <a:br>
               <a:rPr lang="en-US" sz="2800" dirty="0"/>
             </a:br>
             <a:r>
+              <a:rPr lang="en-US" sz="2800" dirty="0" err="1"/>
+              <a:t>Himani</a:t>
+            </a:r>
+            <a:r>
               <a:rPr lang="en-US" sz="2800" dirty="0"/>
-              <a:t>Kamal Mukherjee</a:t>
+              <a:t> </a:t>
+            </a:r>
+            <a:r>
+              <a:rPr lang="en-US" sz="2800" dirty="0" err="1"/>
+              <a:t>Manglik</a:t>
             </a:r>
             <a:br>
               <a:rPr lang="en-US" sz="2800" dirty="0"/>
             </a:br>
             <a:r>
               <a:rPr lang="en-US" sz="2800" dirty="0"/>
-              <a:t>Shivani Thakkar</a:t>
+              <a:t>Kamal Mukherjee</a:t>
             </a:r>
             <a:br>
               <a:rPr lang="en-US" sz="2800" dirty="0"/>
             </a:br>
             <a:r>
               <a:rPr lang="en-US" sz="2800" dirty="0"/>
-              <a:t>Alfonso </a:t>
-            </a:r>
-            <a:r>
-              <a:rPr lang="en-US" sz="2800" dirty="0" err="1"/>
-              <a:t>Toruno</a:t>
-            </a:r>
-            <a:endParaRPr lang="en-US" sz="2800" dirty="0"/>
+              <a:t>Shivani Thakkar</a:t>
+            </a:r>
+          </a:p>
+        </p:txBody>
+      </p:sp>
+      <p:sp>
+        <p:nvSpPr>
+          <p:cNvPr id="3" name="Slide Number Placeholder 2">
+            <a:extLst>
+              <a:ext uri="{FF2B5EF4-FFF2-40B4-BE49-F238E27FC236}">
+                <a16:creationId xmlns:a16="http://schemas.microsoft.com/office/drawing/2014/main" id="{A86C246A-F4E2-4C8F-A7AE-40EDF458C6FB}"/>
+              </a:ext>
+            </a:extLst>
+          </p:cNvPr>
+          <p:cNvSpPr>
+            <a:spLocks noGrp="1"/>
+          </p:cNvSpPr>
+          <p:nvPr>
+            <p:ph type="sldNum" sz="quarter" idx="12"/>
+          </p:nvPr>
+        </p:nvSpPr>
+        <p:spPr/>
+        <p:txBody>
+          <a:bodyPr/>
+          <a:lstStyle/>
+          <a:p>
+            <a:fld id="{34B7E4EF-A1BD-40F4-AB7B-04F084DD991D}" type="slidenum">
+              <a:rPr lang="en-US" smtClean="0"/>
+              <a:t>2</a:t>
+            </a:fld>
+            <a:endParaRPr lang="en-US" dirty="0"/>
           </a:p>
         </p:txBody>
       </p:sp>
@@ -10140,6 +10482,35 @@
           </a:sp3d>
         </p:spPr>
       </p:pic>
+      <p:sp>
+        <p:nvSpPr>
+          <p:cNvPr id="2" name="Slide Number Placeholder 1">
+            <a:extLst>
+              <a:ext uri="{FF2B5EF4-FFF2-40B4-BE49-F238E27FC236}">
+                <a16:creationId xmlns:a16="http://schemas.microsoft.com/office/drawing/2014/main" id="{41A743DD-718C-4B21-92EF-A17272921017}"/>
+              </a:ext>
+            </a:extLst>
+          </p:cNvPr>
+          <p:cNvSpPr>
+            <a:spLocks noGrp="1"/>
+          </p:cNvSpPr>
+          <p:nvPr>
+            <p:ph type="sldNum" sz="quarter" idx="12"/>
+          </p:nvPr>
+        </p:nvSpPr>
+        <p:spPr/>
+        <p:txBody>
+          <a:bodyPr/>
+          <a:lstStyle/>
+          <a:p>
+            <a:fld id="{34B7E4EF-A1BD-40F4-AB7B-04F084DD991D}" type="slidenum">
+              <a:rPr lang="en-US" smtClean="0"/>
+              <a:t>20</a:t>
+            </a:fld>
+            <a:endParaRPr lang="en-US" dirty="0"/>
+          </a:p>
+        </p:txBody>
+      </p:sp>
     </p:spTree>
     <p:extLst>
       <p:ext uri="{BB962C8B-B14F-4D97-AF65-F5344CB8AC3E}">
@@ -10539,6 +10910,35 @@
           </a:sp3d>
         </p:spPr>
       </p:pic>
+      <p:sp>
+        <p:nvSpPr>
+          <p:cNvPr id="2" name="Slide Number Placeholder 1">
+            <a:extLst>
+              <a:ext uri="{FF2B5EF4-FFF2-40B4-BE49-F238E27FC236}">
+                <a16:creationId xmlns:a16="http://schemas.microsoft.com/office/drawing/2014/main" id="{FEBBEF53-1AE7-4E1C-AC1B-0BA8F1639187}"/>
+              </a:ext>
+            </a:extLst>
+          </p:cNvPr>
+          <p:cNvSpPr>
+            <a:spLocks noGrp="1"/>
+          </p:cNvSpPr>
+          <p:nvPr>
+            <p:ph type="sldNum" sz="quarter" idx="12"/>
+          </p:nvPr>
+        </p:nvSpPr>
+        <p:spPr/>
+        <p:txBody>
+          <a:bodyPr/>
+          <a:lstStyle/>
+          <a:p>
+            <a:fld id="{34B7E4EF-A1BD-40F4-AB7B-04F084DD991D}" type="slidenum">
+              <a:rPr lang="en-US" smtClean="0"/>
+              <a:t>21</a:t>
+            </a:fld>
+            <a:endParaRPr lang="en-US" dirty="0"/>
+          </a:p>
+        </p:txBody>
+      </p:sp>
     </p:spTree>
     <p:extLst>
       <p:ext uri="{BB962C8B-B14F-4D97-AF65-F5344CB8AC3E}">
@@ -10938,6 +11338,35 @@
           </a:sp3d>
         </p:spPr>
       </p:pic>
+      <p:sp>
+        <p:nvSpPr>
+          <p:cNvPr id="2" name="Slide Number Placeholder 1">
+            <a:extLst>
+              <a:ext uri="{FF2B5EF4-FFF2-40B4-BE49-F238E27FC236}">
+                <a16:creationId xmlns:a16="http://schemas.microsoft.com/office/drawing/2014/main" id="{A3C662D5-D773-4FC1-873D-97B3525B9262}"/>
+              </a:ext>
+            </a:extLst>
+          </p:cNvPr>
+          <p:cNvSpPr>
+            <a:spLocks noGrp="1"/>
+          </p:cNvSpPr>
+          <p:nvPr>
+            <p:ph type="sldNum" sz="quarter" idx="12"/>
+          </p:nvPr>
+        </p:nvSpPr>
+        <p:spPr/>
+        <p:txBody>
+          <a:bodyPr/>
+          <a:lstStyle/>
+          <a:p>
+            <a:fld id="{34B7E4EF-A1BD-40F4-AB7B-04F084DD991D}" type="slidenum">
+              <a:rPr lang="en-US" smtClean="0"/>
+              <a:t>22</a:t>
+            </a:fld>
+            <a:endParaRPr lang="en-US" dirty="0"/>
+          </a:p>
+        </p:txBody>
+      </p:sp>
     </p:spTree>
     <p:extLst>
       <p:ext uri="{BB962C8B-B14F-4D97-AF65-F5344CB8AC3E}">
@@ -11337,6 +11766,35 @@
           </a:sp3d>
         </p:spPr>
       </p:pic>
+      <p:sp>
+        <p:nvSpPr>
+          <p:cNvPr id="2" name="Slide Number Placeholder 1">
+            <a:extLst>
+              <a:ext uri="{FF2B5EF4-FFF2-40B4-BE49-F238E27FC236}">
+                <a16:creationId xmlns:a16="http://schemas.microsoft.com/office/drawing/2014/main" id="{6B938F37-6203-4AEA-8BE9-412A8E5C6929}"/>
+              </a:ext>
+            </a:extLst>
+          </p:cNvPr>
+          <p:cNvSpPr>
+            <a:spLocks noGrp="1"/>
+          </p:cNvSpPr>
+          <p:nvPr>
+            <p:ph type="sldNum" sz="quarter" idx="12"/>
+          </p:nvPr>
+        </p:nvSpPr>
+        <p:spPr/>
+        <p:txBody>
+          <a:bodyPr/>
+          <a:lstStyle/>
+          <a:p>
+            <a:fld id="{34B7E4EF-A1BD-40F4-AB7B-04F084DD991D}" type="slidenum">
+              <a:rPr lang="en-US" smtClean="0"/>
+              <a:t>23</a:t>
+            </a:fld>
+            <a:endParaRPr lang="en-US" dirty="0"/>
+          </a:p>
+        </p:txBody>
+      </p:sp>
     </p:spTree>
     <p:extLst>
       <p:ext uri="{BB962C8B-B14F-4D97-AF65-F5344CB8AC3E}">
@@ -11736,6 +12194,35 @@
           </a:sp3d>
         </p:spPr>
       </p:pic>
+      <p:sp>
+        <p:nvSpPr>
+          <p:cNvPr id="2" name="Slide Number Placeholder 1">
+            <a:extLst>
+              <a:ext uri="{FF2B5EF4-FFF2-40B4-BE49-F238E27FC236}">
+                <a16:creationId xmlns:a16="http://schemas.microsoft.com/office/drawing/2014/main" id="{F09C923C-BC76-49B7-9C29-101653A93D22}"/>
+              </a:ext>
+            </a:extLst>
+          </p:cNvPr>
+          <p:cNvSpPr>
+            <a:spLocks noGrp="1"/>
+          </p:cNvSpPr>
+          <p:nvPr>
+            <p:ph type="sldNum" sz="quarter" idx="12"/>
+          </p:nvPr>
+        </p:nvSpPr>
+        <p:spPr/>
+        <p:txBody>
+          <a:bodyPr/>
+          <a:lstStyle/>
+          <a:p>
+            <a:fld id="{34B7E4EF-A1BD-40F4-AB7B-04F084DD991D}" type="slidenum">
+              <a:rPr lang="en-US" smtClean="0"/>
+              <a:t>24</a:t>
+            </a:fld>
+            <a:endParaRPr lang="en-US" dirty="0"/>
+          </a:p>
+        </p:txBody>
+      </p:sp>
     </p:spTree>
     <p:extLst>
       <p:ext uri="{BB962C8B-B14F-4D97-AF65-F5344CB8AC3E}">
@@ -12405,6 +12892,35 @@
               <a:rPr lang="en-US" dirty="0"/>
               <a:t>We have also processed our dataset through five different machine learning models to project consumer’s sentiment based on their review text. For our dataset Logistic Regression was the most accurate model and Neural Network was the least.</a:t>
             </a:r>
+          </a:p>
+        </p:txBody>
+      </p:sp>
+      <p:sp>
+        <p:nvSpPr>
+          <p:cNvPr id="2" name="Slide Number Placeholder 1">
+            <a:extLst>
+              <a:ext uri="{FF2B5EF4-FFF2-40B4-BE49-F238E27FC236}">
+                <a16:creationId xmlns:a16="http://schemas.microsoft.com/office/drawing/2014/main" id="{5B7ED708-578C-4246-B952-9DCE7360E3A1}"/>
+              </a:ext>
+            </a:extLst>
+          </p:cNvPr>
+          <p:cNvSpPr>
+            <a:spLocks noGrp="1"/>
+          </p:cNvSpPr>
+          <p:nvPr>
+            <p:ph type="sldNum" sz="quarter" idx="12"/>
+          </p:nvPr>
+        </p:nvSpPr>
+        <p:spPr/>
+        <p:txBody>
+          <a:bodyPr/>
+          <a:lstStyle/>
+          <a:p>
+            <a:fld id="{34B7E4EF-A1BD-40F4-AB7B-04F084DD991D}" type="slidenum">
+              <a:rPr lang="en-US" smtClean="0"/>
+              <a:t>25</a:t>
+            </a:fld>
+            <a:endParaRPr lang="en-US" dirty="0"/>
           </a:p>
         </p:txBody>
       </p:sp>
@@ -13066,6 +13582,35 @@
               </a:lnSpc>
               <a:buNone/>
             </a:pPr>
+            <a:endParaRPr lang="en-US" dirty="0"/>
+          </a:p>
+        </p:txBody>
+      </p:sp>
+      <p:sp>
+        <p:nvSpPr>
+          <p:cNvPr id="2" name="Slide Number Placeholder 1">
+            <a:extLst>
+              <a:ext uri="{FF2B5EF4-FFF2-40B4-BE49-F238E27FC236}">
+                <a16:creationId xmlns:a16="http://schemas.microsoft.com/office/drawing/2014/main" id="{CAACDFA5-BE61-4940-AF17-45B35E769B02}"/>
+              </a:ext>
+            </a:extLst>
+          </p:cNvPr>
+          <p:cNvSpPr>
+            <a:spLocks noGrp="1"/>
+          </p:cNvSpPr>
+          <p:nvPr>
+            <p:ph type="sldNum" sz="quarter" idx="12"/>
+          </p:nvPr>
+        </p:nvSpPr>
+        <p:spPr/>
+        <p:txBody>
+          <a:bodyPr/>
+          <a:lstStyle/>
+          <a:p>
+            <a:fld id="{34B7E4EF-A1BD-40F4-AB7B-04F084DD991D}" type="slidenum">
+              <a:rPr lang="en-US" smtClean="0"/>
+              <a:t>26</a:t>
+            </a:fld>
             <a:endParaRPr lang="en-US" dirty="0"/>
           </a:p>
         </p:txBody>
@@ -13208,6 +13753,308 @@
           </a:p>
         </p:txBody>
       </p:sp>
+      <p:sp>
+        <p:nvSpPr>
+          <p:cNvPr id="3" name="Slide Number Placeholder 2">
+            <a:extLst>
+              <a:ext uri="{FF2B5EF4-FFF2-40B4-BE49-F238E27FC236}">
+                <a16:creationId xmlns:a16="http://schemas.microsoft.com/office/drawing/2014/main" id="{55491BB0-B22F-4F15-8FCD-AFC327D0478D}"/>
+              </a:ext>
+            </a:extLst>
+          </p:cNvPr>
+          <p:cNvSpPr>
+            <a:spLocks noGrp="1"/>
+          </p:cNvSpPr>
+          <p:nvPr>
+            <p:ph type="sldNum" sz="quarter" idx="12"/>
+          </p:nvPr>
+        </p:nvSpPr>
+        <p:spPr/>
+        <p:txBody>
+          <a:bodyPr/>
+          <a:lstStyle/>
+          <a:p>
+            <a:fld id="{34B7E4EF-A1BD-40F4-AB7B-04F084DD991D}" type="slidenum">
+              <a:rPr lang="en-US" smtClean="0"/>
+              <a:t>3</a:t>
+            </a:fld>
+            <a:endParaRPr lang="en-US" dirty="0"/>
+          </a:p>
+        </p:txBody>
+      </p:sp>
+      <p:sp>
+        <p:nvSpPr>
+          <p:cNvPr id="6" name="Text Placeholder 2">
+            <a:extLst>
+              <a:ext uri="{FF2B5EF4-FFF2-40B4-BE49-F238E27FC236}">
+                <a16:creationId xmlns:a16="http://schemas.microsoft.com/office/drawing/2014/main" id="{888F1DF0-4AF3-42C4-844C-FB69C78BEA15}"/>
+              </a:ext>
+            </a:extLst>
+          </p:cNvPr>
+          <p:cNvSpPr txBox="1">
+            <a:spLocks/>
+          </p:cNvSpPr>
+          <p:nvPr/>
+        </p:nvSpPr>
+        <p:spPr>
+          <a:xfrm>
+            <a:off x="207999" y="280626"/>
+            <a:ext cx="11775999" cy="640080"/>
+          </a:xfrm>
+          <a:prstGeom prst="rect">
+            <a:avLst/>
+          </a:prstGeom>
+          <a:solidFill>
+            <a:schemeClr val="bg1">
+              <a:lumMod val="95000"/>
+            </a:schemeClr>
+          </a:solidFill>
+          <a:effectLst>
+            <a:outerShdw blurRad="50800" dist="38100" dir="2700000" algn="tl" rotWithShape="0">
+              <a:prstClr val="black">
+                <a:alpha val="40000"/>
+              </a:prstClr>
+            </a:outerShdw>
+          </a:effectLst>
+        </p:spPr>
+        <p:txBody>
+          <a:bodyPr vert="horz" lIns="91440" tIns="45720" rIns="91440" bIns="45720" rtlCol="0">
+            <a:noAutofit/>
+          </a:bodyPr>
+          <a:lstStyle>
+            <a:lvl1pPr marL="182880" indent="-182880" algn="l" defTabSz="914400" rtl="0" eaLnBrk="1" latinLnBrk="0" hangingPunct="1">
+              <a:lnSpc>
+                <a:spcPct val="110000"/>
+              </a:lnSpc>
+              <a:spcBef>
+                <a:spcPts val="900"/>
+              </a:spcBef>
+              <a:spcAft>
+                <a:spcPts val="0"/>
+              </a:spcAft>
+              <a:buClr>
+                <a:schemeClr val="tx1">
+                  <a:lumMod val="85000"/>
+                  <a:lumOff val="15000"/>
+                </a:schemeClr>
+              </a:buClr>
+              <a:buFont typeface="Garamond" pitchFamily="18" charset="0"/>
+              <a:buChar char="◦"/>
+              <a:defRPr sz="1800" kern="1200">
+                <a:solidFill>
+                  <a:schemeClr val="tx1"/>
+                </a:solidFill>
+                <a:latin typeface="+mn-lt"/>
+                <a:ea typeface="+mn-ea"/>
+                <a:cs typeface="+mn-cs"/>
+              </a:defRPr>
+            </a:lvl1pPr>
+            <a:lvl2pPr marL="457200" indent="-182880" algn="l" defTabSz="914400" rtl="0" eaLnBrk="1" latinLnBrk="0" hangingPunct="1">
+              <a:lnSpc>
+                <a:spcPct val="100000"/>
+              </a:lnSpc>
+              <a:spcBef>
+                <a:spcPts val="500"/>
+              </a:spcBef>
+              <a:buClr>
+                <a:schemeClr val="tx1">
+                  <a:lumMod val="85000"/>
+                  <a:lumOff val="15000"/>
+                </a:schemeClr>
+              </a:buClr>
+              <a:buFont typeface="Garamond" pitchFamily="18" charset="0"/>
+              <a:buChar char="◦"/>
+              <a:defRPr sz="1600" kern="1200">
+                <a:solidFill>
+                  <a:schemeClr val="tx1"/>
+                </a:solidFill>
+                <a:latin typeface="+mn-lt"/>
+                <a:ea typeface="+mn-ea"/>
+                <a:cs typeface="+mn-cs"/>
+              </a:defRPr>
+            </a:lvl2pPr>
+            <a:lvl3pPr marL="731520" indent="-182880" algn="l" defTabSz="914400" rtl="0" eaLnBrk="1" latinLnBrk="0" hangingPunct="1">
+              <a:lnSpc>
+                <a:spcPct val="100000"/>
+              </a:lnSpc>
+              <a:spcBef>
+                <a:spcPts val="500"/>
+              </a:spcBef>
+              <a:buClr>
+                <a:schemeClr val="tx1">
+                  <a:lumMod val="85000"/>
+                  <a:lumOff val="15000"/>
+                </a:schemeClr>
+              </a:buClr>
+              <a:buFont typeface="Garamond" pitchFamily="18" charset="0"/>
+              <a:buChar char="◦"/>
+              <a:defRPr sz="1400" kern="1200">
+                <a:solidFill>
+                  <a:schemeClr val="tx1"/>
+                </a:solidFill>
+                <a:latin typeface="+mn-lt"/>
+                <a:ea typeface="+mn-ea"/>
+                <a:cs typeface="+mn-cs"/>
+              </a:defRPr>
+            </a:lvl3pPr>
+            <a:lvl4pPr marL="1005840" indent="-182880" algn="l" defTabSz="914400" rtl="0" eaLnBrk="1" latinLnBrk="0" hangingPunct="1">
+              <a:lnSpc>
+                <a:spcPct val="100000"/>
+              </a:lnSpc>
+              <a:spcBef>
+                <a:spcPts val="500"/>
+              </a:spcBef>
+              <a:buClr>
+                <a:schemeClr val="tx1">
+                  <a:lumMod val="85000"/>
+                  <a:lumOff val="15000"/>
+                </a:schemeClr>
+              </a:buClr>
+              <a:buFont typeface="Garamond" pitchFamily="18" charset="0"/>
+              <a:buChar char="◦"/>
+              <a:defRPr sz="1400" kern="1200">
+                <a:solidFill>
+                  <a:schemeClr val="tx1"/>
+                </a:solidFill>
+                <a:latin typeface="+mn-lt"/>
+                <a:ea typeface="+mn-ea"/>
+                <a:cs typeface="+mn-cs"/>
+              </a:defRPr>
+            </a:lvl4pPr>
+            <a:lvl5pPr marL="1280160" indent="-182880" algn="l" defTabSz="914400" rtl="0" eaLnBrk="1" latinLnBrk="0" hangingPunct="1">
+              <a:lnSpc>
+                <a:spcPct val="100000"/>
+              </a:lnSpc>
+              <a:spcBef>
+                <a:spcPts val="500"/>
+              </a:spcBef>
+              <a:buClr>
+                <a:schemeClr val="tx1">
+                  <a:lumMod val="85000"/>
+                  <a:lumOff val="15000"/>
+                </a:schemeClr>
+              </a:buClr>
+              <a:buFont typeface="Garamond" pitchFamily="18" charset="0"/>
+              <a:buChar char="◦"/>
+              <a:defRPr sz="1400" kern="1200">
+                <a:solidFill>
+                  <a:schemeClr val="tx1"/>
+                </a:solidFill>
+                <a:latin typeface="+mn-lt"/>
+                <a:ea typeface="+mn-ea"/>
+                <a:cs typeface="+mn-cs"/>
+              </a:defRPr>
+            </a:lvl5pPr>
+            <a:lvl6pPr marL="1600000" indent="-228600" algn="l" defTabSz="914400" rtl="0" eaLnBrk="1" latinLnBrk="0" hangingPunct="1">
+              <a:lnSpc>
+                <a:spcPct val="100000"/>
+              </a:lnSpc>
+              <a:spcBef>
+                <a:spcPts val="500"/>
+              </a:spcBef>
+              <a:buClr>
+                <a:schemeClr val="tx1">
+                  <a:lumMod val="85000"/>
+                  <a:lumOff val="15000"/>
+                </a:schemeClr>
+              </a:buClr>
+              <a:buFont typeface="Garamond" pitchFamily="18" charset="0"/>
+              <a:buChar char="◦"/>
+              <a:defRPr sz="1400" kern="1200">
+                <a:solidFill>
+                  <a:schemeClr val="tx1"/>
+                </a:solidFill>
+                <a:latin typeface="+mn-lt"/>
+                <a:ea typeface="+mn-ea"/>
+                <a:cs typeface="+mn-cs"/>
+              </a:defRPr>
+            </a:lvl6pPr>
+            <a:lvl7pPr marL="1900000" indent="-228600" algn="l" defTabSz="914400" rtl="0" eaLnBrk="1" latinLnBrk="0" hangingPunct="1">
+              <a:lnSpc>
+                <a:spcPct val="100000"/>
+              </a:lnSpc>
+              <a:spcBef>
+                <a:spcPts val="500"/>
+              </a:spcBef>
+              <a:buClr>
+                <a:schemeClr val="tx1">
+                  <a:lumMod val="85000"/>
+                  <a:lumOff val="15000"/>
+                </a:schemeClr>
+              </a:buClr>
+              <a:buFont typeface="Garamond" pitchFamily="18" charset="0"/>
+              <a:buChar char="◦"/>
+              <a:defRPr sz="1400" kern="1200">
+                <a:solidFill>
+                  <a:schemeClr val="tx1"/>
+                </a:solidFill>
+                <a:latin typeface="+mn-lt"/>
+                <a:ea typeface="+mn-ea"/>
+                <a:cs typeface="+mn-cs"/>
+              </a:defRPr>
+            </a:lvl7pPr>
+            <a:lvl8pPr marL="2200000" indent="-228600" algn="l" defTabSz="914400" rtl="0" eaLnBrk="1" latinLnBrk="0" hangingPunct="1">
+              <a:lnSpc>
+                <a:spcPct val="100000"/>
+              </a:lnSpc>
+              <a:spcBef>
+                <a:spcPts val="500"/>
+              </a:spcBef>
+              <a:buClr>
+                <a:schemeClr val="tx1">
+                  <a:lumMod val="85000"/>
+                  <a:lumOff val="15000"/>
+                </a:schemeClr>
+              </a:buClr>
+              <a:buFont typeface="Garamond" pitchFamily="18" charset="0"/>
+              <a:buChar char="◦"/>
+              <a:defRPr sz="1400" kern="1200">
+                <a:solidFill>
+                  <a:schemeClr val="tx1"/>
+                </a:solidFill>
+                <a:latin typeface="+mn-lt"/>
+                <a:ea typeface="+mn-ea"/>
+                <a:cs typeface="+mn-cs"/>
+              </a:defRPr>
+            </a:lvl8pPr>
+            <a:lvl9pPr marL="2500000" indent="-228600" algn="l" defTabSz="914400" rtl="0" eaLnBrk="1" latinLnBrk="0" hangingPunct="1">
+              <a:lnSpc>
+                <a:spcPct val="100000"/>
+              </a:lnSpc>
+              <a:spcBef>
+                <a:spcPts val="500"/>
+              </a:spcBef>
+              <a:buClr>
+                <a:schemeClr val="tx1">
+                  <a:lumMod val="85000"/>
+                  <a:lumOff val="15000"/>
+                </a:schemeClr>
+              </a:buClr>
+              <a:buFont typeface="Garamond" pitchFamily="18" charset="0"/>
+              <a:buChar char="◦"/>
+              <a:defRPr sz="1400" kern="1200">
+                <a:solidFill>
+                  <a:schemeClr val="tx1"/>
+                </a:solidFill>
+                <a:latin typeface="+mn-lt"/>
+                <a:ea typeface="+mn-ea"/>
+                <a:cs typeface="+mn-cs"/>
+              </a:defRPr>
+            </a:lvl9pPr>
+          </a:lstStyle>
+          <a:p>
+            <a:pPr marL="0" indent="0">
+              <a:buNone/>
+            </a:pPr>
+            <a:r>
+              <a:rPr lang="en-US" sz="3600" dirty="0">
+                <a:latin typeface="+mj-lt"/>
+              </a:rPr>
+              <a:t>Why it Matters</a:t>
+            </a:r>
+          </a:p>
+        </p:txBody>
+      </p:sp>
     </p:spTree>
     <p:extLst>
       <p:ext uri="{BB962C8B-B14F-4D97-AF65-F5344CB8AC3E}">
@@ -13580,7 +14427,7 @@
             </a:pPr>
             <a:r>
               <a:rPr lang="en-US" sz="1600" spc="80" dirty="0"/>
-              <a:t>All references to retailers have been anonymized/.</a:t>
+              <a:t>All references to retailers have been anonymized.</a:t>
             </a:r>
           </a:p>
           <a:p>
@@ -13793,6 +14640,35 @@
             </a:r>
           </a:p>
           <a:p>
+            <a:endParaRPr lang="en-US" dirty="0"/>
+          </a:p>
+        </p:txBody>
+      </p:sp>
+      <p:sp>
+        <p:nvSpPr>
+          <p:cNvPr id="3" name="Slide Number Placeholder 2">
+            <a:extLst>
+              <a:ext uri="{FF2B5EF4-FFF2-40B4-BE49-F238E27FC236}">
+                <a16:creationId xmlns:a16="http://schemas.microsoft.com/office/drawing/2014/main" id="{7273550F-E1A4-4965-8563-DE630113E6A9}"/>
+              </a:ext>
+            </a:extLst>
+          </p:cNvPr>
+          <p:cNvSpPr>
+            <a:spLocks noGrp="1"/>
+          </p:cNvSpPr>
+          <p:nvPr>
+            <p:ph type="sldNum" sz="quarter" idx="12"/>
+          </p:nvPr>
+        </p:nvSpPr>
+        <p:spPr/>
+        <p:txBody>
+          <a:bodyPr/>
+          <a:lstStyle/>
+          <a:p>
+            <a:fld id="{34B7E4EF-A1BD-40F4-AB7B-04F084DD991D}" type="slidenum">
+              <a:rPr lang="en-US" smtClean="0"/>
+              <a:t>4</a:t>
+            </a:fld>
             <a:endParaRPr lang="en-US" dirty="0"/>
           </a:p>
         </p:txBody>
@@ -13875,7 +14751,7 @@
         </p:nvSpPr>
         <p:spPr>
           <a:xfrm>
-            <a:off x="1086626" y="640386"/>
+            <a:off x="1066800" y="1042016"/>
             <a:ext cx="4663440" cy="640080"/>
           </a:xfrm>
           <a:solidFill>
@@ -13924,7 +14800,7 @@
         </p:nvSpPr>
         <p:spPr>
           <a:xfrm>
-            <a:off x="1086626" y="1365600"/>
+            <a:off x="1066800" y="1767230"/>
             <a:ext cx="4663440" cy="4969460"/>
           </a:xfrm>
           <a:solidFill>
@@ -14039,7 +14915,7 @@
         </p:nvSpPr>
         <p:spPr>
           <a:xfrm>
-            <a:off x="6475490" y="640386"/>
+            <a:off x="6455664" y="1042016"/>
             <a:ext cx="4663440" cy="640080"/>
           </a:xfrm>
           <a:solidFill>
@@ -14088,7 +14964,7 @@
         </p:nvSpPr>
         <p:spPr>
           <a:xfrm>
-            <a:off x="6475490" y="1365600"/>
+            <a:off x="6455664" y="1767230"/>
             <a:ext cx="4663440" cy="4969460"/>
           </a:xfrm>
           <a:solidFill>
@@ -14228,6 +15104,308 @@
           </a:p>
           <a:p>
             <a:endParaRPr lang="en-US" dirty="0"/>
+          </a:p>
+        </p:txBody>
+      </p:sp>
+      <p:sp>
+        <p:nvSpPr>
+          <p:cNvPr id="2" name="Slide Number Placeholder 1">
+            <a:extLst>
+              <a:ext uri="{FF2B5EF4-FFF2-40B4-BE49-F238E27FC236}">
+                <a16:creationId xmlns:a16="http://schemas.microsoft.com/office/drawing/2014/main" id="{8AFD859D-4BEC-42B6-9AE1-9BC3539C8690}"/>
+              </a:ext>
+            </a:extLst>
+          </p:cNvPr>
+          <p:cNvSpPr>
+            <a:spLocks noGrp="1"/>
+          </p:cNvSpPr>
+          <p:nvPr>
+            <p:ph type="sldNum" sz="quarter" idx="12"/>
+          </p:nvPr>
+        </p:nvSpPr>
+        <p:spPr/>
+        <p:txBody>
+          <a:bodyPr/>
+          <a:lstStyle/>
+          <a:p>
+            <a:fld id="{34B7E4EF-A1BD-40F4-AB7B-04F084DD991D}" type="slidenum">
+              <a:rPr lang="en-US" smtClean="0"/>
+              <a:t>5</a:t>
+            </a:fld>
+            <a:endParaRPr lang="en-US" dirty="0"/>
+          </a:p>
+        </p:txBody>
+      </p:sp>
+      <p:sp>
+        <p:nvSpPr>
+          <p:cNvPr id="9" name="Text Placeholder 2">
+            <a:extLst>
+              <a:ext uri="{FF2B5EF4-FFF2-40B4-BE49-F238E27FC236}">
+                <a16:creationId xmlns:a16="http://schemas.microsoft.com/office/drawing/2014/main" id="{D95A81C3-32AC-4D35-B562-A2DEE9A56497}"/>
+              </a:ext>
+            </a:extLst>
+          </p:cNvPr>
+          <p:cNvSpPr txBox="1">
+            <a:spLocks/>
+          </p:cNvSpPr>
+          <p:nvPr/>
+        </p:nvSpPr>
+        <p:spPr>
+          <a:xfrm>
+            <a:off x="207999" y="280626"/>
+            <a:ext cx="11775999" cy="640080"/>
+          </a:xfrm>
+          <a:prstGeom prst="rect">
+            <a:avLst/>
+          </a:prstGeom>
+          <a:solidFill>
+            <a:schemeClr val="bg1">
+              <a:lumMod val="95000"/>
+            </a:schemeClr>
+          </a:solidFill>
+          <a:effectLst>
+            <a:outerShdw blurRad="50800" dist="38100" dir="2700000" algn="tl" rotWithShape="0">
+              <a:prstClr val="black">
+                <a:alpha val="40000"/>
+              </a:prstClr>
+            </a:outerShdw>
+          </a:effectLst>
+        </p:spPr>
+        <p:txBody>
+          <a:bodyPr vert="horz" lIns="91440" tIns="45720" rIns="91440" bIns="45720" rtlCol="0">
+            <a:noAutofit/>
+          </a:bodyPr>
+          <a:lstStyle>
+            <a:lvl1pPr marL="182880" indent="-182880" algn="l" defTabSz="914400" rtl="0" eaLnBrk="1" latinLnBrk="0" hangingPunct="1">
+              <a:lnSpc>
+                <a:spcPct val="110000"/>
+              </a:lnSpc>
+              <a:spcBef>
+                <a:spcPts val="900"/>
+              </a:spcBef>
+              <a:spcAft>
+                <a:spcPts val="0"/>
+              </a:spcAft>
+              <a:buClr>
+                <a:schemeClr val="tx1">
+                  <a:lumMod val="85000"/>
+                  <a:lumOff val="15000"/>
+                </a:schemeClr>
+              </a:buClr>
+              <a:buFont typeface="Garamond" pitchFamily="18" charset="0"/>
+              <a:buChar char="◦"/>
+              <a:defRPr sz="1800" kern="1200">
+                <a:solidFill>
+                  <a:schemeClr val="tx1"/>
+                </a:solidFill>
+                <a:latin typeface="+mn-lt"/>
+                <a:ea typeface="+mn-ea"/>
+                <a:cs typeface="+mn-cs"/>
+              </a:defRPr>
+            </a:lvl1pPr>
+            <a:lvl2pPr marL="457200" indent="-182880" algn="l" defTabSz="914400" rtl="0" eaLnBrk="1" latinLnBrk="0" hangingPunct="1">
+              <a:lnSpc>
+                <a:spcPct val="100000"/>
+              </a:lnSpc>
+              <a:spcBef>
+                <a:spcPts val="500"/>
+              </a:spcBef>
+              <a:buClr>
+                <a:schemeClr val="tx1">
+                  <a:lumMod val="85000"/>
+                  <a:lumOff val="15000"/>
+                </a:schemeClr>
+              </a:buClr>
+              <a:buFont typeface="Garamond" pitchFamily="18" charset="0"/>
+              <a:buChar char="◦"/>
+              <a:defRPr sz="1600" kern="1200">
+                <a:solidFill>
+                  <a:schemeClr val="tx1"/>
+                </a:solidFill>
+                <a:latin typeface="+mn-lt"/>
+                <a:ea typeface="+mn-ea"/>
+                <a:cs typeface="+mn-cs"/>
+              </a:defRPr>
+            </a:lvl2pPr>
+            <a:lvl3pPr marL="731520" indent="-182880" algn="l" defTabSz="914400" rtl="0" eaLnBrk="1" latinLnBrk="0" hangingPunct="1">
+              <a:lnSpc>
+                <a:spcPct val="100000"/>
+              </a:lnSpc>
+              <a:spcBef>
+                <a:spcPts val="500"/>
+              </a:spcBef>
+              <a:buClr>
+                <a:schemeClr val="tx1">
+                  <a:lumMod val="85000"/>
+                  <a:lumOff val="15000"/>
+                </a:schemeClr>
+              </a:buClr>
+              <a:buFont typeface="Garamond" pitchFamily="18" charset="0"/>
+              <a:buChar char="◦"/>
+              <a:defRPr sz="1400" kern="1200">
+                <a:solidFill>
+                  <a:schemeClr val="tx1"/>
+                </a:solidFill>
+                <a:latin typeface="+mn-lt"/>
+                <a:ea typeface="+mn-ea"/>
+                <a:cs typeface="+mn-cs"/>
+              </a:defRPr>
+            </a:lvl3pPr>
+            <a:lvl4pPr marL="1005840" indent="-182880" algn="l" defTabSz="914400" rtl="0" eaLnBrk="1" latinLnBrk="0" hangingPunct="1">
+              <a:lnSpc>
+                <a:spcPct val="100000"/>
+              </a:lnSpc>
+              <a:spcBef>
+                <a:spcPts val="500"/>
+              </a:spcBef>
+              <a:buClr>
+                <a:schemeClr val="tx1">
+                  <a:lumMod val="85000"/>
+                  <a:lumOff val="15000"/>
+                </a:schemeClr>
+              </a:buClr>
+              <a:buFont typeface="Garamond" pitchFamily="18" charset="0"/>
+              <a:buChar char="◦"/>
+              <a:defRPr sz="1400" kern="1200">
+                <a:solidFill>
+                  <a:schemeClr val="tx1"/>
+                </a:solidFill>
+                <a:latin typeface="+mn-lt"/>
+                <a:ea typeface="+mn-ea"/>
+                <a:cs typeface="+mn-cs"/>
+              </a:defRPr>
+            </a:lvl4pPr>
+            <a:lvl5pPr marL="1280160" indent="-182880" algn="l" defTabSz="914400" rtl="0" eaLnBrk="1" latinLnBrk="0" hangingPunct="1">
+              <a:lnSpc>
+                <a:spcPct val="100000"/>
+              </a:lnSpc>
+              <a:spcBef>
+                <a:spcPts val="500"/>
+              </a:spcBef>
+              <a:buClr>
+                <a:schemeClr val="tx1">
+                  <a:lumMod val="85000"/>
+                  <a:lumOff val="15000"/>
+                </a:schemeClr>
+              </a:buClr>
+              <a:buFont typeface="Garamond" pitchFamily="18" charset="0"/>
+              <a:buChar char="◦"/>
+              <a:defRPr sz="1400" kern="1200">
+                <a:solidFill>
+                  <a:schemeClr val="tx1"/>
+                </a:solidFill>
+                <a:latin typeface="+mn-lt"/>
+                <a:ea typeface="+mn-ea"/>
+                <a:cs typeface="+mn-cs"/>
+              </a:defRPr>
+            </a:lvl5pPr>
+            <a:lvl6pPr marL="1600000" indent="-228600" algn="l" defTabSz="914400" rtl="0" eaLnBrk="1" latinLnBrk="0" hangingPunct="1">
+              <a:lnSpc>
+                <a:spcPct val="100000"/>
+              </a:lnSpc>
+              <a:spcBef>
+                <a:spcPts val="500"/>
+              </a:spcBef>
+              <a:buClr>
+                <a:schemeClr val="tx1">
+                  <a:lumMod val="85000"/>
+                  <a:lumOff val="15000"/>
+                </a:schemeClr>
+              </a:buClr>
+              <a:buFont typeface="Garamond" pitchFamily="18" charset="0"/>
+              <a:buChar char="◦"/>
+              <a:defRPr sz="1400" kern="1200">
+                <a:solidFill>
+                  <a:schemeClr val="tx1"/>
+                </a:solidFill>
+                <a:latin typeface="+mn-lt"/>
+                <a:ea typeface="+mn-ea"/>
+                <a:cs typeface="+mn-cs"/>
+              </a:defRPr>
+            </a:lvl6pPr>
+            <a:lvl7pPr marL="1900000" indent="-228600" algn="l" defTabSz="914400" rtl="0" eaLnBrk="1" latinLnBrk="0" hangingPunct="1">
+              <a:lnSpc>
+                <a:spcPct val="100000"/>
+              </a:lnSpc>
+              <a:spcBef>
+                <a:spcPts val="500"/>
+              </a:spcBef>
+              <a:buClr>
+                <a:schemeClr val="tx1">
+                  <a:lumMod val="85000"/>
+                  <a:lumOff val="15000"/>
+                </a:schemeClr>
+              </a:buClr>
+              <a:buFont typeface="Garamond" pitchFamily="18" charset="0"/>
+              <a:buChar char="◦"/>
+              <a:defRPr sz="1400" kern="1200">
+                <a:solidFill>
+                  <a:schemeClr val="tx1"/>
+                </a:solidFill>
+                <a:latin typeface="+mn-lt"/>
+                <a:ea typeface="+mn-ea"/>
+                <a:cs typeface="+mn-cs"/>
+              </a:defRPr>
+            </a:lvl7pPr>
+            <a:lvl8pPr marL="2200000" indent="-228600" algn="l" defTabSz="914400" rtl="0" eaLnBrk="1" latinLnBrk="0" hangingPunct="1">
+              <a:lnSpc>
+                <a:spcPct val="100000"/>
+              </a:lnSpc>
+              <a:spcBef>
+                <a:spcPts val="500"/>
+              </a:spcBef>
+              <a:buClr>
+                <a:schemeClr val="tx1">
+                  <a:lumMod val="85000"/>
+                  <a:lumOff val="15000"/>
+                </a:schemeClr>
+              </a:buClr>
+              <a:buFont typeface="Garamond" pitchFamily="18" charset="0"/>
+              <a:buChar char="◦"/>
+              <a:defRPr sz="1400" kern="1200">
+                <a:solidFill>
+                  <a:schemeClr val="tx1"/>
+                </a:solidFill>
+                <a:latin typeface="+mn-lt"/>
+                <a:ea typeface="+mn-ea"/>
+                <a:cs typeface="+mn-cs"/>
+              </a:defRPr>
+            </a:lvl8pPr>
+            <a:lvl9pPr marL="2500000" indent="-228600" algn="l" defTabSz="914400" rtl="0" eaLnBrk="1" latinLnBrk="0" hangingPunct="1">
+              <a:lnSpc>
+                <a:spcPct val="100000"/>
+              </a:lnSpc>
+              <a:spcBef>
+                <a:spcPts val="500"/>
+              </a:spcBef>
+              <a:buClr>
+                <a:schemeClr val="tx1">
+                  <a:lumMod val="85000"/>
+                  <a:lumOff val="15000"/>
+                </a:schemeClr>
+              </a:buClr>
+              <a:buFont typeface="Garamond" pitchFamily="18" charset="0"/>
+              <a:buChar char="◦"/>
+              <a:defRPr sz="1400" kern="1200">
+                <a:solidFill>
+                  <a:schemeClr val="tx1"/>
+                </a:solidFill>
+                <a:latin typeface="+mn-lt"/>
+                <a:ea typeface="+mn-ea"/>
+                <a:cs typeface="+mn-cs"/>
+              </a:defRPr>
+            </a:lvl9pPr>
+          </a:lstStyle>
+          <a:p>
+            <a:pPr marL="0" indent="0">
+              <a:buNone/>
+            </a:pPr>
+            <a:r>
+              <a:rPr lang="en-US" sz="3600" dirty="0">
+                <a:latin typeface="+mj-lt"/>
+              </a:rPr>
+              <a:t>Process Overview</a:t>
+            </a:r>
           </a:p>
         </p:txBody>
       </p:sp>
@@ -15120,6 +16298,35 @@
           </a:sp3d>
         </p:spPr>
       </p:pic>
+      <p:sp>
+        <p:nvSpPr>
+          <p:cNvPr id="2" name="Slide Number Placeholder 1">
+            <a:extLst>
+              <a:ext uri="{FF2B5EF4-FFF2-40B4-BE49-F238E27FC236}">
+                <a16:creationId xmlns:a16="http://schemas.microsoft.com/office/drawing/2014/main" id="{810EF574-BD65-4E41-AFE7-FBEA337F0545}"/>
+              </a:ext>
+            </a:extLst>
+          </p:cNvPr>
+          <p:cNvSpPr>
+            <a:spLocks noGrp="1"/>
+          </p:cNvSpPr>
+          <p:nvPr>
+            <p:ph type="sldNum" sz="quarter" idx="12"/>
+          </p:nvPr>
+        </p:nvSpPr>
+        <p:spPr/>
+        <p:txBody>
+          <a:bodyPr/>
+          <a:lstStyle/>
+          <a:p>
+            <a:fld id="{34B7E4EF-A1BD-40F4-AB7B-04F084DD991D}" type="slidenum">
+              <a:rPr lang="en-US" smtClean="0"/>
+              <a:t>6</a:t>
+            </a:fld>
+            <a:endParaRPr lang="en-US" dirty="0"/>
+          </a:p>
+        </p:txBody>
+      </p:sp>
     </p:spTree>
     <p:extLst>
       <p:ext uri="{BB962C8B-B14F-4D97-AF65-F5344CB8AC3E}">
@@ -15238,6 +16445,35 @@
               <a:rPr lang="en-US" dirty="0"/>
               <a:t>Data Visualizations</a:t>
             </a:r>
+          </a:p>
+        </p:txBody>
+      </p:sp>
+      <p:sp>
+        <p:nvSpPr>
+          <p:cNvPr id="3" name="Slide Number Placeholder 2">
+            <a:extLst>
+              <a:ext uri="{FF2B5EF4-FFF2-40B4-BE49-F238E27FC236}">
+                <a16:creationId xmlns:a16="http://schemas.microsoft.com/office/drawing/2014/main" id="{F12324D5-A5AB-413F-9699-97AE7C59D19A}"/>
+              </a:ext>
+            </a:extLst>
+          </p:cNvPr>
+          <p:cNvSpPr>
+            <a:spLocks noGrp="1"/>
+          </p:cNvSpPr>
+          <p:nvPr>
+            <p:ph type="sldNum" sz="quarter" idx="12"/>
+          </p:nvPr>
+        </p:nvSpPr>
+        <p:spPr/>
+        <p:txBody>
+          <a:bodyPr/>
+          <a:lstStyle/>
+          <a:p>
+            <a:fld id="{34B7E4EF-A1BD-40F4-AB7B-04F084DD991D}" type="slidenum">
+              <a:rPr lang="en-US" smtClean="0"/>
+              <a:t>7</a:t>
+            </a:fld>
+            <a:endParaRPr lang="en-US" dirty="0"/>
           </a:p>
         </p:txBody>
       </p:sp>
@@ -15694,6 +16930,35 @@
           </a:sp3d>
         </p:spPr>
       </p:pic>
+      <p:sp>
+        <p:nvSpPr>
+          <p:cNvPr id="2" name="Slide Number Placeholder 1">
+            <a:extLst>
+              <a:ext uri="{FF2B5EF4-FFF2-40B4-BE49-F238E27FC236}">
+                <a16:creationId xmlns:a16="http://schemas.microsoft.com/office/drawing/2014/main" id="{0E100A2E-5CE9-4EFD-8DA9-FEDE94DBACD6}"/>
+              </a:ext>
+            </a:extLst>
+          </p:cNvPr>
+          <p:cNvSpPr>
+            <a:spLocks noGrp="1"/>
+          </p:cNvSpPr>
+          <p:nvPr>
+            <p:ph type="sldNum" sz="quarter" idx="12"/>
+          </p:nvPr>
+        </p:nvSpPr>
+        <p:spPr/>
+        <p:txBody>
+          <a:bodyPr/>
+          <a:lstStyle/>
+          <a:p>
+            <a:fld id="{34B7E4EF-A1BD-40F4-AB7B-04F084DD991D}" type="slidenum">
+              <a:rPr lang="en-US" smtClean="0"/>
+              <a:t>8</a:t>
+            </a:fld>
+            <a:endParaRPr lang="en-US" dirty="0"/>
+          </a:p>
+        </p:txBody>
+      </p:sp>
     </p:spTree>
     <p:extLst>
       <p:ext uri="{BB962C8B-B14F-4D97-AF65-F5344CB8AC3E}">
@@ -16147,6 +17412,35 @@
           </a:sp3d>
         </p:spPr>
       </p:pic>
+      <p:sp>
+        <p:nvSpPr>
+          <p:cNvPr id="2" name="Slide Number Placeholder 1">
+            <a:extLst>
+              <a:ext uri="{FF2B5EF4-FFF2-40B4-BE49-F238E27FC236}">
+                <a16:creationId xmlns:a16="http://schemas.microsoft.com/office/drawing/2014/main" id="{287DFF2C-BAB1-4E7B-A623-5B86AACC7BFB}"/>
+              </a:ext>
+            </a:extLst>
+          </p:cNvPr>
+          <p:cNvSpPr>
+            <a:spLocks noGrp="1"/>
+          </p:cNvSpPr>
+          <p:nvPr>
+            <p:ph type="sldNum" sz="quarter" idx="12"/>
+          </p:nvPr>
+        </p:nvSpPr>
+        <p:spPr/>
+        <p:txBody>
+          <a:bodyPr/>
+          <a:lstStyle/>
+          <a:p>
+            <a:fld id="{34B7E4EF-A1BD-40F4-AB7B-04F084DD991D}" type="slidenum">
+              <a:rPr lang="en-US" smtClean="0"/>
+              <a:t>9</a:t>
+            </a:fld>
+            <a:endParaRPr lang="en-US" dirty="0"/>
+          </a:p>
+        </p:txBody>
+      </p:sp>
     </p:spTree>
     <p:extLst>
       <p:ext uri="{BB962C8B-B14F-4D97-AF65-F5344CB8AC3E}">
@@ -16732,24 +18026,6 @@
 </file>
 
 <file path=customXml/item1.xml><?xml version="1.0" encoding="utf-8"?>
-<?mso-contentType ?>
-<FormTemplates xmlns="http://schemas.microsoft.com/sharepoint/v3/contenttype/forms">
-  <Display>DocumentLibraryForm</Display>
-  <Edit>DocumentLibraryForm</Edit>
-  <New>DocumentLibraryForm</New>
-</FormTemplates>
-</file>
-
-<file path=customXml/item2.xml><?xml version="1.0" encoding="utf-8"?>
-<p:properties xmlns:p="http://schemas.microsoft.com/office/2006/metadata/properties" xmlns:xsi="http://www.w3.org/2001/XMLSchema-instance" xmlns:pc="http://schemas.microsoft.com/office/infopath/2007/PartnerControls">
-  <documentManagement>
-    <Status xmlns="71af3243-3dd4-4a8d-8c0d-dd76da1f02a5">Not started</Status>
-    <MediaServiceKeyPoints xmlns="71af3243-3dd4-4a8d-8c0d-dd76da1f02a5" xsi:nil="true"/>
-  </documentManagement>
-</p:properties>
-</file>
-
-<file path=customXml/item3.xml><?xml version="1.0" encoding="utf-8"?>
 <ct:contentTypeSchema xmlns:ct="http://schemas.microsoft.com/office/2006/metadata/contentType" xmlns:ma="http://schemas.microsoft.com/office/2006/metadata/properties/metaAttributes" ct:_="" ma:_="" ma:contentTypeName="Document" ma:contentTypeID="0x01010079F111ED35F8CC479449609E8A0923A6" ma:contentTypeVersion="12" ma:contentTypeDescription="Create a new document." ma:contentTypeScope="" ma:versionID="a410dd7f93c95333ffa1b60ed6adedd1">
   <xsd:schema xmlns:xsd="http://www.w3.org/2001/XMLSchema" xmlns:xs="http://www.w3.org/2001/XMLSchema" xmlns:p="http://schemas.microsoft.com/office/2006/metadata/properties" xmlns:ns2="71af3243-3dd4-4a8d-8c0d-dd76da1f02a5" xmlns:ns3="16c05727-aa75-4e4a-9b5f-8a80a1165891" targetNamespace="http://schemas.microsoft.com/office/2006/metadata/properties" ma:root="true" ma:fieldsID="a936d9baba76aa3866493feff160faab" ns2:_="" ns3:_="">
     <xsd:import namespace="71af3243-3dd4-4a8d-8c0d-dd76da1f02a5"/>
@@ -16970,25 +18246,25 @@
 </ct:contentTypeSchema>
 </file>
 
-<file path=customXml/itemProps1.xml><?xml version="1.0" encoding="utf-8"?>
-<ds:datastoreItem xmlns:ds="http://schemas.openxmlformats.org/officeDocument/2006/customXml" ds:itemID="{659927E4-E194-47BE-91C2-B87D50CF51DB}">
-  <ds:schemaRefs>
-    <ds:schemaRef ds:uri="http://schemas.microsoft.com/sharepoint/v3/contenttype/forms"/>
-  </ds:schemaRefs>
-</ds:datastoreItem>
+<file path=customXml/item2.xml><?xml version="1.0" encoding="utf-8"?>
+<p:properties xmlns:p="http://schemas.microsoft.com/office/2006/metadata/properties" xmlns:xsi="http://www.w3.org/2001/XMLSchema-instance" xmlns:pc="http://schemas.microsoft.com/office/infopath/2007/PartnerControls">
+  <documentManagement>
+    <Status xmlns="71af3243-3dd4-4a8d-8c0d-dd76da1f02a5">Not started</Status>
+    <MediaServiceKeyPoints xmlns="71af3243-3dd4-4a8d-8c0d-dd76da1f02a5" xsi:nil="true"/>
+  </documentManagement>
+</p:properties>
 </file>
 
-<file path=customXml/itemProps2.xml><?xml version="1.0" encoding="utf-8"?>
-<ds:datastoreItem xmlns:ds="http://schemas.openxmlformats.org/officeDocument/2006/customXml" ds:itemID="{0E92E9E5-79AF-4029-8FCA-9C327D54FD8F}">
-  <ds:schemaRefs>
-    <ds:schemaRef ds:uri="http://schemas.microsoft.com/office/2006/metadata/properties"/>
-    <ds:schemaRef ds:uri="http://schemas.microsoft.com/office/infopath/2007/PartnerControls"/>
-    <ds:schemaRef ds:uri="71af3243-3dd4-4a8d-8c0d-dd76da1f02a5"/>
-  </ds:schemaRefs>
-</ds:datastoreItem>
+<file path=customXml/item3.xml><?xml version="1.0" encoding="utf-8"?>
+<?mso-contentType ?>
+<FormTemplates xmlns="http://schemas.microsoft.com/sharepoint/v3/contenttype/forms">
+  <Display>DocumentLibraryForm</Display>
+  <Edit>DocumentLibraryForm</Edit>
+  <New>DocumentLibraryForm</New>
+</FormTemplates>
 </file>
 
-<file path=customXml/itemProps3.xml><?xml version="1.0" encoding="utf-8"?>
+<file path=customXml/itemProps1.xml><?xml version="1.0" encoding="utf-8"?>
 <ds:datastoreItem xmlns:ds="http://schemas.openxmlformats.org/officeDocument/2006/customXml" ds:itemID="{E34A532A-EA0D-41F9-B458-AF9358EF2F07}">
   <ds:schemaRefs>
     <ds:schemaRef ds:uri="http://schemas.microsoft.com/office/2006/metadata/contentType"/>
@@ -17005,4 +18281,22 @@
     <ds:schemaRef ds:uri="http://schemas.microsoft.com/internal/obd"/>
   </ds:schemaRefs>
 </ds:datastoreItem>
+</file>
+
+<file path=customXml/itemProps2.xml><?xml version="1.0" encoding="utf-8"?>
+<ds:datastoreItem xmlns:ds="http://schemas.openxmlformats.org/officeDocument/2006/customXml" ds:itemID="{0E92E9E5-79AF-4029-8FCA-9C327D54FD8F}">
+  <ds:schemaRefs>
+    <ds:schemaRef ds:uri="http://schemas.microsoft.com/office/2006/metadata/properties"/>
+    <ds:schemaRef ds:uri="http://schemas.microsoft.com/office/infopath/2007/PartnerControls"/>
+    <ds:schemaRef ds:uri="71af3243-3dd4-4a8d-8c0d-dd76da1f02a5"/>
+  </ds:schemaRefs>
+</ds:datastoreItem>
+</file>
+
+<file path=customXml/itemProps3.xml><?xml version="1.0" encoding="utf-8"?>
+<ds:datastoreItem xmlns:ds="http://schemas.openxmlformats.org/officeDocument/2006/customXml" ds:itemID="{659927E4-E194-47BE-91C2-B87D50CF51DB}">
+  <ds:schemaRefs>
+    <ds:schemaRef ds:uri="http://schemas.microsoft.com/sharepoint/v3/contenttype/forms"/>
+  </ds:schemaRefs>
+</ds:datastoreItem>
 </file>